--- a/Taxi_Data_Analysis.pptx
+++ b/Taxi_Data_Analysis.pptx
@@ -14,7 +14,8 @@
     <p:sldId id="263" r:id="rId8"/>
     <p:sldId id="264" r:id="rId9"/>
     <p:sldId id="265" r:id="rId10"/>
-    <p:sldId id="266" r:id="rId11"/>
+    <p:sldId id="267" r:id="rId11"/>
+    <p:sldId id="266" r:id="rId12"/>
   </p:sldIdLst>
   <p:sldSz cx="9144000" cy="6858000" type="screen4x3"/>
   <p:notesSz cx="6858000" cy="9144000"/>
@@ -251,7 +252,7 @@
             <a:fld id="{1D8BD707-D9CF-40AE-B4C6-C98DA3205C09}" type="datetimeFigureOut">
               <a:rPr lang="en-US" smtClean="0"/>
               <a:pPr/>
-              <a:t>6/8/2017</a:t>
+              <a:t>6/11/2017</a:t>
             </a:fld>
             <a:endParaRPr lang="en-US"/>
           </a:p>
@@ -566,7 +567,7 @@
             <a:fld id="{1D8BD707-D9CF-40AE-B4C6-C98DA3205C09}" type="datetimeFigureOut">
               <a:rPr lang="en-US" smtClean="0"/>
               <a:pPr/>
-              <a:t>6/8/2017</a:t>
+              <a:t>6/11/2017</a:t>
             </a:fld>
             <a:endParaRPr lang="en-US"/>
           </a:p>
@@ -753,7 +754,7 @@
             <a:fld id="{1D8BD707-D9CF-40AE-B4C6-C98DA3205C09}" type="datetimeFigureOut">
               <a:rPr lang="en-US" smtClean="0"/>
               <a:pPr/>
-              <a:t>6/8/2017</a:t>
+              <a:t>6/11/2017</a:t>
             </a:fld>
             <a:endParaRPr lang="en-US"/>
           </a:p>
@@ -930,7 +931,7 @@
             <a:fld id="{1D8BD707-D9CF-40AE-B4C6-C98DA3205C09}" type="datetimeFigureOut">
               <a:rPr lang="en-US" smtClean="0"/>
               <a:pPr/>
-              <a:t>6/8/2017</a:t>
+              <a:t>6/11/2017</a:t>
             </a:fld>
             <a:endParaRPr lang="en-US"/>
           </a:p>
@@ -1200,7 +1201,7 @@
             <a:fld id="{1D8BD707-D9CF-40AE-B4C6-C98DA3205C09}" type="datetimeFigureOut">
               <a:rPr lang="en-US" smtClean="0"/>
               <a:pPr/>
-              <a:t>6/8/2017</a:t>
+              <a:t>6/11/2017</a:t>
             </a:fld>
             <a:endParaRPr lang="en-US"/>
           </a:p>
@@ -1670,7 +1671,7 @@
             <a:fld id="{1D8BD707-D9CF-40AE-B4C6-C98DA3205C09}" type="datetimeFigureOut">
               <a:rPr lang="en-US" smtClean="0"/>
               <a:pPr/>
-              <a:t>6/8/2017</a:t>
+              <a:t>6/11/2017</a:t>
             </a:fld>
             <a:endParaRPr lang="en-US"/>
           </a:p>
@@ -2161,7 +2162,7 @@
             <a:fld id="{1D8BD707-D9CF-40AE-B4C6-C98DA3205C09}" type="datetimeFigureOut">
               <a:rPr lang="en-US" smtClean="0"/>
               <a:pPr/>
-              <a:t>6/8/2017</a:t>
+              <a:t>6/11/2017</a:t>
             </a:fld>
             <a:endParaRPr lang="en-US"/>
           </a:p>
@@ -2289,7 +2290,7 @@
             <a:fld id="{1D8BD707-D9CF-40AE-B4C6-C98DA3205C09}" type="datetimeFigureOut">
               <a:rPr lang="en-US" smtClean="0"/>
               <a:pPr/>
-              <a:t>6/8/2017</a:t>
+              <a:t>6/11/2017</a:t>
             </a:fld>
             <a:endParaRPr lang="en-US"/>
           </a:p>
@@ -2435,7 +2436,7 @@
             <a:fld id="{1D8BD707-D9CF-40AE-B4C6-C98DA3205C09}" type="datetimeFigureOut">
               <a:rPr lang="en-US" smtClean="0"/>
               <a:pPr/>
-              <a:t>6/8/2017</a:t>
+              <a:t>6/11/2017</a:t>
             </a:fld>
             <a:endParaRPr lang="en-US"/>
           </a:p>
@@ -2759,7 +2760,7 @@
             <a:fld id="{1D8BD707-D9CF-40AE-B4C6-C98DA3205C09}" type="datetimeFigureOut">
               <a:rPr lang="en-US" smtClean="0"/>
               <a:pPr/>
-              <a:t>6/8/2017</a:t>
+              <a:t>6/11/2017</a:t>
             </a:fld>
             <a:endParaRPr lang="en-US"/>
           </a:p>
@@ -2895,7 +2896,7 @@
             <a:fld id="{1D8BD707-D9CF-40AE-B4C6-C98DA3205C09}" type="datetimeFigureOut">
               <a:rPr lang="en-US" smtClean="0"/>
               <a:pPr/>
-              <a:t>6/8/2017</a:t>
+              <a:t>6/11/2017</a:t>
             </a:fld>
             <a:endParaRPr lang="en-US"/>
           </a:p>
@@ -3678,7 +3679,7 @@
             <a:fld id="{1D8BD707-D9CF-40AE-B4C6-C98DA3205C09}" type="datetimeFigureOut">
               <a:rPr lang="en-US" smtClean="0"/>
               <a:pPr/>
-              <a:t>6/8/2017</a:t>
+              <a:t>6/11/2017</a:t>
             </a:fld>
             <a:endParaRPr lang="en-US"/>
           </a:p>
@@ -4227,16 +4228,8 @@
           </a:p>
           <a:p>
             <a:r>
-              <a:rPr lang="en-US" dirty="0" err="1" smtClean="0"/>
-              <a:t>Mahendra</a:t>
-            </a:r>
-            <a:r>
               <a:rPr lang="en-US" dirty="0" smtClean="0"/>
-              <a:t> </a:t>
-            </a:r>
-            <a:r>
-              <a:rPr lang="en-US" dirty="0" err="1" smtClean="0"/>
-              <a:t>Sahu</a:t>
+              <a:t>Mahendra Sahu</a:t>
             </a:r>
             <a:endParaRPr lang="en-SG" dirty="0"/>
           </a:p>
@@ -4258,6 +4251,126 @@
 </file>
 
 <file path=ppt/slides/slide10.xml><?xml version="1.0" encoding="utf-8"?>
+<p:sld xmlns:a="http://schemas.openxmlformats.org/drawingml/2006/main" xmlns:r="http://schemas.openxmlformats.org/officeDocument/2006/relationships" xmlns:p="http://schemas.openxmlformats.org/presentationml/2006/main">
+  <p:cSld>
+    <p:spTree>
+      <p:nvGrpSpPr>
+        <p:cNvPr id="1" name=""/>
+        <p:cNvGrpSpPr/>
+        <p:nvPr/>
+      </p:nvGrpSpPr>
+      <p:grpSpPr>
+        <a:xfrm>
+          <a:off x="0" y="0"/>
+          <a:ext cx="0" cy="0"/>
+          <a:chOff x="0" y="0"/>
+          <a:chExt cx="0" cy="0"/>
+        </a:xfrm>
+      </p:grpSpPr>
+      <p:sp>
+        <p:nvSpPr>
+          <p:cNvPr id="2" name="Title 1"/>
+          <p:cNvSpPr>
+            <a:spLocks noGrp="1"/>
+          </p:cNvSpPr>
+          <p:nvPr>
+            <p:ph type="title"/>
+          </p:nvPr>
+        </p:nvSpPr>
+        <p:spPr/>
+        <p:txBody>
+          <a:bodyPr>
+            <a:normAutofit/>
+          </a:bodyPr>
+          <a:lstStyle/>
+          <a:p>
+            <a:r>
+              <a:rPr lang="en-US" dirty="0" smtClean="0"/>
+              <a:t>D3JS Output (Live Update)</a:t>
+            </a:r>
+            <a:endParaRPr lang="en-SG" dirty="0"/>
+          </a:p>
+        </p:txBody>
+      </p:sp>
+      <p:sp>
+        <p:nvSpPr>
+          <p:cNvPr id="3" name="Content Placeholder 2"/>
+          <p:cNvSpPr>
+            <a:spLocks noGrp="1"/>
+          </p:cNvSpPr>
+          <p:nvPr>
+            <p:ph idx="1"/>
+          </p:nvPr>
+        </p:nvSpPr>
+        <p:spPr>
+          <a:xfrm>
+            <a:off x="1435608" y="1447800"/>
+            <a:ext cx="7251192" cy="838200"/>
+          </a:xfrm>
+        </p:spPr>
+        <p:txBody>
+          <a:bodyPr>
+            <a:normAutofit fontScale="85000" lnSpcReduction="20000"/>
+          </a:bodyPr>
+          <a:lstStyle/>
+          <a:p>
+            <a:pPr>
+              <a:buNone/>
+            </a:pPr>
+            <a:endParaRPr lang="en-US" dirty="0" smtClean="0"/>
+          </a:p>
+          <a:p>
+            <a:pPr>
+              <a:buNone/>
+            </a:pPr>
+            <a:r>
+              <a:rPr lang="en-US" dirty="0" smtClean="0"/>
+              <a:t> </a:t>
+            </a:r>
+            <a:endParaRPr lang="en-SG" dirty="0"/>
+          </a:p>
+        </p:txBody>
+      </p:sp>
+      <p:pic>
+        <p:nvPicPr>
+          <p:cNvPr id="5" name="Picture 4" descr="Taxi_trip.gif"/>
+          <p:cNvPicPr>
+            <a:picLocks noChangeAspect="1"/>
+          </p:cNvPicPr>
+          <p:nvPr/>
+        </p:nvPicPr>
+        <p:blipFill>
+          <a:blip r:embed="rId2" cstate="print"/>
+          <a:stretch>
+            <a:fillRect/>
+          </a:stretch>
+        </p:blipFill>
+        <p:spPr>
+          <a:xfrm>
+            <a:off x="304800" y="1447800"/>
+            <a:ext cx="8629650" cy="4838700"/>
+          </a:xfrm>
+          <a:prstGeom prst="rect">
+            <a:avLst/>
+          </a:prstGeom>
+        </p:spPr>
+      </p:pic>
+    </p:spTree>
+  </p:cSld>
+  <p:clrMapOvr>
+    <a:masterClrMapping/>
+  </p:clrMapOvr>
+  <p:timing>
+    <p:tnLst>
+      <p:par>
+        <p:cTn id="1" dur="indefinite" restart="never" nodeType="tmRoot"/>
+      </p:par>
+    </p:tnLst>
+  </p:timing>
+</p:sld>
+</file>
+
+<file path=ppt/slides/slide11.xml><?xml version="1.0" encoding="utf-8"?>
 <p:sld xmlns:a="http://schemas.openxmlformats.org/drawingml/2006/main" xmlns:r="http://schemas.openxmlformats.org/officeDocument/2006/relationships" xmlns:p="http://schemas.openxmlformats.org/presentationml/2006/main">
   <p:cSld>
     <p:spTree>
@@ -4430,16 +4543,11 @@
               <a:rPr lang="en-SG" dirty="0" smtClean="0"/>
               <a:t>Find the top 10 most frequent routes during the last 30 minutes. </a:t>
             </a:r>
-            <a:endParaRPr lang="en-SG" dirty="0" smtClean="0"/>
           </a:p>
           <a:p>
             <a:r>
               <a:rPr lang="en-SG" dirty="0" smtClean="0"/>
-              <a:t>A </a:t>
-            </a:r>
-            <a:r>
-              <a:rPr lang="en-SG" dirty="0" smtClean="0"/>
-              <a:t>route is represented by a starting grid cell and an ending grid cell.</a:t>
+              <a:t>A route is represented by a starting grid cell and an ending grid cell.</a:t>
             </a:r>
             <a:endParaRPr lang="en-SG" dirty="0"/>
           </a:p>
@@ -4556,7 +4664,7 @@
         </p:blipFill>
         <p:spPr>
           <a:xfrm>
-            <a:off x="1905000" y="1811948"/>
+            <a:off x="1219200" y="1811948"/>
             <a:ext cx="1771650" cy="931252"/>
           </a:xfrm>
         </p:spPr>
@@ -4577,7 +4685,7 @@
         </p:blipFill>
         <p:spPr>
           <a:xfrm>
-            <a:off x="4652010" y="1600200"/>
+            <a:off x="3886200" y="1600200"/>
             <a:ext cx="1743075" cy="1289105"/>
           </a:xfrm>
           <a:prstGeom prst="rect">
@@ -4617,7 +4725,7 @@
         </p:nvSpPr>
         <p:spPr>
           <a:xfrm>
-            <a:off x="3829050" y="2057400"/>
+            <a:off x="3048000" y="2057400"/>
             <a:ext cx="762000" cy="381000"/>
           </a:xfrm>
           <a:prstGeom prst="rightArrow">
@@ -4679,7 +4787,7 @@
         </p:nvSpPr>
         <p:spPr>
           <a:xfrm>
-            <a:off x="6419850" y="2057400"/>
+            <a:off x="6019800" y="2057400"/>
             <a:ext cx="762000" cy="381000"/>
           </a:xfrm>
           <a:prstGeom prst="rightArrow">
@@ -4717,7 +4825,7 @@
         </p:nvSpPr>
         <p:spPr>
           <a:xfrm>
-            <a:off x="1447800" y="3505200"/>
+            <a:off x="1143000" y="3429000"/>
             <a:ext cx="1905000" cy="2286000"/>
           </a:xfrm>
           <a:prstGeom prst="rect">
@@ -4759,7 +4867,7 @@
         </p:nvSpPr>
         <p:spPr>
           <a:xfrm>
-            <a:off x="4267200" y="3429000"/>
+            <a:off x="3810000" y="3429000"/>
             <a:ext cx="1905000" cy="2286000"/>
           </a:xfrm>
           <a:prstGeom prst="rect">
@@ -4829,7 +4937,7 @@
             <a:pPr algn="ctr"/>
             <a:r>
               <a:rPr lang="en-US" dirty="0" smtClean="0"/>
-              <a:t>In-Progress</a:t>
+              <a:t>Demo</a:t>
             </a:r>
             <a:endParaRPr lang="en-SG" dirty="0"/>
           </a:p>
@@ -4843,7 +4951,7 @@
         </p:nvSpPr>
         <p:spPr>
           <a:xfrm rot="16200000">
-            <a:off x="2019300" y="2933701"/>
+            <a:off x="1714500" y="2857501"/>
             <a:ext cx="762000" cy="381000"/>
           </a:xfrm>
           <a:prstGeom prst="rightArrow">
@@ -4881,7 +4989,7 @@
         </p:nvSpPr>
         <p:spPr>
           <a:xfrm rot="16200000">
-            <a:off x="4953000" y="2971800"/>
+            <a:off x="4495800" y="2971800"/>
             <a:ext cx="533400" cy="381000"/>
           </a:xfrm>
           <a:prstGeom prst="rightArrow">
@@ -4919,8 +5027,8 @@
         </p:nvSpPr>
         <p:spPr>
           <a:xfrm rot="16200000">
-            <a:off x="7620000" y="3048000"/>
-            <a:ext cx="533400" cy="381000"/>
+            <a:off x="7658100" y="3009900"/>
+            <a:ext cx="457200" cy="381000"/>
           </a:xfrm>
           <a:prstGeom prst="rightArrow">
             <a:avLst/>
@@ -5066,11 +5174,7 @@
             </a:r>
             <a:r>
               <a:rPr lang="en-US" dirty="0" smtClean="0"/>
-              <a:t>\main\resources</a:t>
-            </a:r>
-            <a:r>
-              <a:rPr lang="en-US" dirty="0" smtClean="0"/>
-              <a:t>\ </a:t>
+              <a:t>\main\resources\ </a:t>
             </a:r>
             <a:r>
               <a:rPr lang="en-US" dirty="0" err="1" smtClean="0"/>
@@ -5194,15 +5298,7 @@
           <a:p>
             <a:r>
               <a:rPr lang="en-US" dirty="0" smtClean="0"/>
-              <a:t>In order to validate the coordinate and Cell ID,  first few rows and last row </a:t>
-            </a:r>
-            <a:r>
-              <a:rPr lang="en-US" dirty="0" smtClean="0"/>
-              <a:t> displayed</a:t>
-            </a:r>
-            <a:r>
-              <a:rPr lang="en-US" dirty="0" smtClean="0"/>
-              <a:t> on </a:t>
+              <a:t>In order to validate the coordinate and Cell ID,  first few rows and last row  displayed on </a:t>
             </a:r>
             <a:r>
               <a:rPr lang="en-US" dirty="0" err="1" smtClean="0"/>
